--- a/2018/区块链应用技术.pptx
+++ b/2018/区块链应用技术.pptx
@@ -366,7 +366,7 @@
             <a:fld id="{A30B293C-3375-45AC-A262-DEAE990C54B4}" type="datetimeFigureOut">
               <a:rPr lang="en-US" altLang="zh-CN"/>
               <a:pPr/>
-              <a:t>6/22/2018</a:t>
+              <a:t>6/23/2018</a:t>
             </a:fld>
             <a:endParaRPr lang="en-US" altLang="zh-CN"/>
           </a:p>
@@ -1123,7 +1123,7 @@
             <a:fld id="{07032AF1-332F-459B-8F83-B54C1683E8D4}" type="datetimeFigureOut">
               <a:rPr lang="en-US" altLang="zh-CN"/>
               <a:pPr/>
-              <a:t>6/22/2018</a:t>
+              <a:t>6/23/2018</a:t>
             </a:fld>
             <a:endParaRPr lang="en-US" altLang="zh-CN"/>
           </a:p>
@@ -3456,19 +3456,7 @@
                 <a:latin typeface="+mn-lt"/>
                 <a:cs typeface="+mn-cs"/>
               </a:rPr>
-              <a:t>节点</a:t>
-            </a:r>
-            <a:r>
-              <a:rPr lang="zh-CN" altLang="en-US" sz="2200" dirty="0">
-                <a:solidFill>
-                  <a:schemeClr val="bg1">
-                    <a:lumMod val="65000"/>
-                  </a:schemeClr>
-                </a:solidFill>
-                <a:latin typeface="+mn-lt"/>
-                <a:cs typeface="+mn-cs"/>
-              </a:rPr>
-              <a:t>发现</a:t>
+              <a:t>节点发现</a:t>
             </a:r>
             <a:endParaRPr lang="en-US" altLang="zh-CN" sz="2200" dirty="0">
               <a:solidFill>
@@ -3522,31 +3510,7 @@
                 <a:latin typeface="+mn-lt"/>
                 <a:cs typeface="+mn-cs"/>
               </a:rPr>
-              <a:t>创建</a:t>
-            </a:r>
-            <a:r>
-              <a:rPr lang="zh-CN" altLang="en-US" sz="2200" dirty="0">
-                <a:solidFill>
-                  <a:schemeClr val="bg1">
-                    <a:lumMod val="65000"/>
-                  </a:schemeClr>
-                </a:solidFill>
-                <a:latin typeface="+mn-lt"/>
-                <a:cs typeface="+mn-cs"/>
-              </a:rPr>
-              <a:t>公私钥</a:t>
-            </a:r>
-            <a:r>
-              <a:rPr lang="zh-CN" altLang="en-US" sz="2200" dirty="0">
-                <a:solidFill>
-                  <a:schemeClr val="bg1">
-                    <a:lumMod val="65000"/>
-                  </a:schemeClr>
-                </a:solidFill>
-                <a:latin typeface="+mn-lt"/>
-                <a:cs typeface="+mn-cs"/>
-              </a:rPr>
-              <a:t>对</a:t>
+              <a:t>创建公私钥对</a:t>
             </a:r>
             <a:endParaRPr lang="en-US" altLang="zh-CN" sz="2200" dirty="0">
               <a:solidFill>
@@ -3573,41 +3537,8 @@
                 <a:latin typeface="+mn-lt"/>
                 <a:cs typeface="+mn-cs"/>
               </a:rPr>
-              <a:t>区块</a:t>
-            </a:r>
-            <a:r>
-              <a:rPr lang="zh-CN" altLang="en-US" sz="2200" dirty="0">
-                <a:solidFill>
-                  <a:schemeClr val="bg1">
-                    <a:lumMod val="65000"/>
-                  </a:schemeClr>
-                </a:solidFill>
-                <a:latin typeface="+mn-lt"/>
-                <a:cs typeface="+mn-cs"/>
-              </a:rPr>
-              <a:t>信息</a:t>
-            </a:r>
-            <a:r>
-              <a:rPr lang="zh-CN" altLang="en-US" sz="2200" dirty="0">
-                <a:solidFill>
-                  <a:schemeClr val="bg1">
-                    <a:lumMod val="65000"/>
-                  </a:schemeClr>
-                </a:solidFill>
-                <a:latin typeface="+mn-lt"/>
-                <a:cs typeface="+mn-cs"/>
-              </a:rPr>
-              <a:t>查询</a:t>
-            </a:r>
-            <a:endParaRPr lang="zh-CN" altLang="en-US" sz="2200" dirty="0">
-              <a:solidFill>
-                <a:schemeClr val="bg1">
-                  <a:lumMod val="65000"/>
-                </a:schemeClr>
-              </a:solidFill>
-              <a:latin typeface="+mn-lt"/>
-              <a:cs typeface="+mn-cs"/>
-            </a:endParaRPr>
+              <a:t>区块信息查询</a:t>
+            </a:r>
           </a:p>
           <a:p>
             <a:pPr marL="342900" indent="-342900">
@@ -6056,6 +5987,171 @@
           </a:prstGeom>
         </p:spPr>
       </p:pic>
+      <p:sp>
+        <p:nvSpPr>
+          <p:cNvPr id="7" name="TextBox 19"/>
+          <p:cNvSpPr txBox="1"/>
+          <p:nvPr/>
+        </p:nvSpPr>
+        <p:spPr>
+          <a:xfrm>
+            <a:off x="7131094" y="4171924"/>
+            <a:ext cx="1944216" cy="430887"/>
+          </a:xfrm>
+          <a:prstGeom prst="rect">
+            <a:avLst/>
+          </a:prstGeom>
+          <a:noFill/>
+        </p:spPr>
+        <p:txBody>
+          <a:bodyPr wrap="square">
+            <a:spAutoFit/>
+          </a:bodyPr>
+          <a:lstStyle/>
+          <a:p>
+            <a:pPr fontAlgn="auto">
+              <a:spcBef>
+                <a:spcPts val="0"/>
+              </a:spcBef>
+              <a:spcAft>
+                <a:spcPts val="0"/>
+              </a:spcAft>
+              <a:defRPr/>
+            </a:pPr>
+            <a:r>
+              <a:rPr lang="en-US" altLang="zh-CN" sz="2200" dirty="0" smtClean="0">
+                <a:solidFill>
+                  <a:schemeClr val="bg1">
+                    <a:lumMod val="65000"/>
+                  </a:schemeClr>
+                </a:solidFill>
+                <a:latin typeface="+mn-lt"/>
+                <a:cs typeface="+mn-cs"/>
+              </a:rPr>
+              <a:t>15502146716</a:t>
+            </a:r>
+            <a:endParaRPr lang="en-US" sz="2200" dirty="0">
+              <a:solidFill>
+                <a:schemeClr val="bg1">
+                  <a:lumMod val="65000"/>
+                </a:schemeClr>
+              </a:solidFill>
+              <a:latin typeface="+mn-lt"/>
+              <a:cs typeface="+mn-cs"/>
+            </a:endParaRPr>
+          </a:p>
+        </p:txBody>
+      </p:sp>
+      <p:sp>
+        <p:nvSpPr>
+          <p:cNvPr id="8" name="TextBox 19"/>
+          <p:cNvSpPr txBox="1"/>
+          <p:nvPr/>
+        </p:nvSpPr>
+        <p:spPr>
+          <a:xfrm>
+            <a:off x="6808378" y="4592909"/>
+            <a:ext cx="2292288" cy="430887"/>
+          </a:xfrm>
+          <a:prstGeom prst="rect">
+            <a:avLst/>
+          </a:prstGeom>
+          <a:noFill/>
+        </p:spPr>
+        <p:txBody>
+          <a:bodyPr wrap="square">
+            <a:spAutoFit/>
+          </a:bodyPr>
+          <a:lstStyle/>
+          <a:p>
+            <a:pPr fontAlgn="auto">
+              <a:spcBef>
+                <a:spcPts val="0"/>
+              </a:spcBef>
+              <a:spcAft>
+                <a:spcPts val="0"/>
+              </a:spcAft>
+              <a:defRPr/>
+            </a:pPr>
+            <a:r>
+              <a:rPr lang="en-US" sz="2200" dirty="0" smtClean="0">
+                <a:solidFill>
+                  <a:schemeClr val="bg1">
+                    <a:lumMod val="65000"/>
+                  </a:schemeClr>
+                </a:solidFill>
+                <a:latin typeface="+mn-lt"/>
+                <a:cs typeface="+mn-cs"/>
+              </a:rPr>
+              <a:t>hr@tonarts.org</a:t>
+            </a:r>
+            <a:endParaRPr lang="en-US" sz="2200" dirty="0">
+              <a:solidFill>
+                <a:schemeClr val="bg1">
+                  <a:lumMod val="65000"/>
+                </a:schemeClr>
+              </a:solidFill>
+              <a:latin typeface="+mn-lt"/>
+              <a:cs typeface="+mn-cs"/>
+            </a:endParaRPr>
+          </a:p>
+        </p:txBody>
+      </p:sp>
+      <p:sp>
+        <p:nvSpPr>
+          <p:cNvPr id="9" name="TextBox 19"/>
+          <p:cNvSpPr txBox="1"/>
+          <p:nvPr/>
+        </p:nvSpPr>
+        <p:spPr>
+          <a:xfrm>
+            <a:off x="6808378" y="3731136"/>
+            <a:ext cx="2157899" cy="430887"/>
+          </a:xfrm>
+          <a:prstGeom prst="rect">
+            <a:avLst/>
+          </a:prstGeom>
+          <a:noFill/>
+        </p:spPr>
+        <p:txBody>
+          <a:bodyPr wrap="square">
+            <a:spAutoFit/>
+          </a:bodyPr>
+          <a:lstStyle/>
+          <a:p>
+            <a:pPr fontAlgn="auto">
+              <a:spcBef>
+                <a:spcPts val="0"/>
+              </a:spcBef>
+              <a:spcAft>
+                <a:spcPts val="0"/>
+              </a:spcAft>
+              <a:defRPr/>
+            </a:pPr>
+            <a:r>
+              <a:rPr lang="en-US" altLang="zh-CN" sz="2200" dirty="0" smtClean="0">
+                <a:solidFill>
+                  <a:schemeClr val="bg1">
+                    <a:lumMod val="65000"/>
+                  </a:schemeClr>
+                </a:solidFill>
+                <a:latin typeface="+mn-lt"/>
+                <a:cs typeface="+mn-cs"/>
+              </a:rPr>
+              <a:t>Hr 小姐姐 : </a:t>
+            </a:r>
+            <a:endParaRPr lang="en-US" sz="2200" dirty="0">
+              <a:solidFill>
+                <a:schemeClr val="bg1">
+                  <a:lumMod val="65000"/>
+                </a:schemeClr>
+              </a:solidFill>
+              <a:latin typeface="+mn-lt"/>
+              <a:cs typeface="+mn-cs"/>
+            </a:endParaRPr>
+          </a:p>
+        </p:txBody>
+      </p:sp>
     </p:spTree>
   </p:cSld>
   <p:clrMapOvr>
@@ -7011,15 +7107,6 @@
               </a:rPr>
               <a:t>	</a:t>
             </a:r>
-            <a:endParaRPr lang="en-US" sz="2800" dirty="0">
-              <a:solidFill>
-                <a:schemeClr val="bg1">
-                  <a:lumMod val="85000"/>
-                </a:schemeClr>
-              </a:solidFill>
-              <a:latin typeface="+mn-lt"/>
-              <a:cs typeface="+mn-cs"/>
-            </a:endParaRPr>
           </a:p>
         </p:txBody>
       </p:sp>
@@ -7165,15 +7252,6 @@
               </a:rPr>
               <a:t>	</a:t>
             </a:r>
-            <a:endParaRPr lang="en-US" sz="2800" dirty="0">
-              <a:solidFill>
-                <a:schemeClr val="bg1">
-                  <a:lumMod val="85000"/>
-                </a:schemeClr>
-              </a:solidFill>
-              <a:latin typeface="+mn-lt"/>
-              <a:cs typeface="+mn-cs"/>
-            </a:endParaRPr>
           </a:p>
         </p:txBody>
       </p:sp>
